--- a/Disused code/Misc/DLM_DFO/Lectures/4 Making recommendations/L4a Advanced operating model specification.pptx
+++ b/Disused code/Misc/DLM_DFO/Lectures/4 Making recommendations/L4a Advanced operating model specification.pptx
@@ -167,6 +167,10 @@
 </p:presentation>
 </file>
 
+<file path=ppt/revisionInfo.xml><?xml version="1.0" encoding="utf-8"?>
+<p1510:revInfo xmlns:a="http://schemas.openxmlformats.org/drawingml/2006/main" xmlns:r="http://schemas.openxmlformats.org/officeDocument/2006/relationships" xmlns:p1510="http://schemas.microsoft.com/office/powerpoint/2015/10/main"/>
+</file>
+
 <file path=ppt/notesMasters/notesMaster1.xml><?xml version="1.0" encoding="utf-8"?>
 <p:notesMaster xmlns:a="http://schemas.openxmlformats.org/drawingml/2006/main" xmlns:r="http://schemas.openxmlformats.org/officeDocument/2006/relationships" xmlns:p="http://schemas.openxmlformats.org/presentationml/2006/main">
   <p:cSld>
@@ -265,7 +269,7 @@
               <a:pPr>
                 <a:defRPr/>
               </a:pPr>
-              <a:t>2017-10-20</a:t>
+              <a:t>2017-10-23</a:t>
             </a:fld>
             <a:endParaRPr lang="en-CA"/>
           </a:p>
@@ -330,35 +334,35 @@
           <a:p>
             <a:pPr lvl="0"/>
             <a:r>
-              <a:rPr lang="en-US" noProof="0" smtClean="0"/>
+              <a:rPr lang="en-US" noProof="0"/>
               <a:t>Click to edit Master text styles</a:t>
             </a:r>
           </a:p>
           <a:p>
             <a:pPr lvl="1"/>
             <a:r>
-              <a:rPr lang="en-US" noProof="0" smtClean="0"/>
+              <a:rPr lang="en-US" noProof="0"/>
               <a:t>Second level</a:t>
             </a:r>
           </a:p>
           <a:p>
             <a:pPr lvl="2"/>
             <a:r>
-              <a:rPr lang="en-US" noProof="0" smtClean="0"/>
+              <a:rPr lang="en-US" noProof="0"/>
               <a:t>Third level</a:t>
             </a:r>
           </a:p>
           <a:p>
             <a:pPr lvl="3"/>
             <a:r>
-              <a:rPr lang="en-US" noProof="0" smtClean="0"/>
+              <a:rPr lang="en-US" noProof="0"/>
               <a:t>Fourth level</a:t>
             </a:r>
           </a:p>
           <a:p>
             <a:pPr lvl="4"/>
             <a:r>
-              <a:rPr lang="en-US" noProof="0" smtClean="0"/>
+              <a:rPr lang="en-US" noProof="0"/>
               <a:t>Fifth level</a:t>
             </a:r>
             <a:endParaRPr lang="en-CA" noProof="0"/>
@@ -650,7 +654,7 @@
           </a:lstStyle>
           <a:p>
             <a:r>
-              <a:rPr lang="en-US" smtClean="0"/>
+              <a:rPr lang="en-US"/>
               <a:t>Click to edit Master title style</a:t>
             </a:r>
             <a:endParaRPr lang="en-US" dirty="0"/>
@@ -746,7 +750,7 @@
           </a:lstStyle>
           <a:p>
             <a:r>
-              <a:rPr lang="en-US" smtClean="0"/>
+              <a:rPr lang="en-US"/>
               <a:t>Click to edit Master subtitle style</a:t>
             </a:r>
             <a:endParaRPr lang="en-US" dirty="0"/>
@@ -780,7 +784,7 @@
               <a:pPr>
                 <a:defRPr/>
               </a:pPr>
-              <a:t>10/20/2017</a:t>
+              <a:t>10/23/2017</a:t>
             </a:fld>
             <a:endParaRPr lang="en-US" dirty="0"/>
           </a:p>
@@ -959,7 +963,7 @@
           </a:lstStyle>
           <a:p>
             <a:r>
-              <a:rPr lang="en-US" smtClean="0"/>
+              <a:rPr lang="en-US"/>
               <a:t>Click to edit Master title style</a:t>
             </a:r>
             <a:endParaRPr lang="en-US" dirty="0"/>
@@ -1027,7 +1031,7 @@
           <a:p>
             <a:pPr lvl="0"/>
             <a:r>
-              <a:rPr lang="en-US" noProof="0" smtClean="0"/>
+              <a:rPr lang="en-US" noProof="0"/>
               <a:t>Click icon to add picture</a:t>
             </a:r>
             <a:endParaRPr lang="en-US" noProof="0" dirty="0"/>
@@ -1117,7 +1121,7 @@
           <a:p>
             <a:pPr lvl="0"/>
             <a:r>
-              <a:rPr lang="en-US" smtClean="0"/>
+              <a:rPr lang="en-US"/>
               <a:t>Click to edit Master text styles</a:t>
             </a:r>
           </a:p>
@@ -1150,7 +1154,7 @@
               <a:pPr>
                 <a:defRPr/>
               </a:pPr>
-              <a:t>10/20/2017</a:t>
+              <a:t>10/23/2017</a:t>
             </a:fld>
             <a:endParaRPr lang="en-US" dirty="0"/>
           </a:p>
@@ -1329,7 +1333,7 @@
           </a:lstStyle>
           <a:p>
             <a:r>
-              <a:rPr lang="en-US" smtClean="0"/>
+              <a:rPr lang="en-US"/>
               <a:t>Click to edit Master title style</a:t>
             </a:r>
             <a:endParaRPr lang="en-US" dirty="0"/>
@@ -1395,7 +1399,7 @@
           <a:p>
             <a:pPr lvl="0"/>
             <a:r>
-              <a:rPr lang="en-US" smtClean="0"/>
+              <a:rPr lang="en-US"/>
               <a:t>Click to edit Master text styles</a:t>
             </a:r>
           </a:p>
@@ -1428,7 +1432,7 @@
               <a:pPr>
                 <a:defRPr/>
               </a:pPr>
-              <a:t>10/20/2017</a:t>
+              <a:t>10/23/2017</a:t>
             </a:fld>
             <a:endParaRPr lang="en-US" dirty="0"/>
           </a:p>
@@ -1849,7 +1853,7 @@
           </a:lstStyle>
           <a:p>
             <a:r>
-              <a:rPr lang="en-US" smtClean="0"/>
+              <a:rPr lang="en-US"/>
               <a:t>Click to edit Master title style</a:t>
             </a:r>
             <a:endParaRPr lang="en-US" dirty="0"/>
@@ -1917,7 +1921,7 @@
           <a:p>
             <a:pPr lvl="0"/>
             <a:r>
-              <a:rPr lang="en-US" smtClean="0"/>
+              <a:rPr lang="en-US"/>
               <a:t>Click to edit Master text styles</a:t>
             </a:r>
           </a:p>
@@ -1984,7 +1988,7 @@
           <a:p>
             <a:pPr lvl="0"/>
             <a:r>
-              <a:rPr lang="en-US" smtClean="0"/>
+              <a:rPr lang="en-US"/>
               <a:t>Click to edit Master text styles</a:t>
             </a:r>
           </a:p>
@@ -2017,7 +2021,7 @@
               <a:pPr>
                 <a:defRPr/>
               </a:pPr>
-              <a:t>10/20/2017</a:t>
+              <a:t>10/23/2017</a:t>
             </a:fld>
             <a:endParaRPr lang="en-US" dirty="0"/>
           </a:p>
@@ -2198,7 +2202,7 @@
           </a:lstStyle>
           <a:p>
             <a:r>
-              <a:rPr lang="en-US" smtClean="0"/>
+              <a:rPr lang="en-US"/>
               <a:t>Click to edit Master title style</a:t>
             </a:r>
             <a:endParaRPr lang="en-US" dirty="0"/>
@@ -2264,7 +2268,7 @@
           <a:p>
             <a:pPr lvl="0"/>
             <a:r>
-              <a:rPr lang="en-US" smtClean="0"/>
+              <a:rPr lang="en-US"/>
               <a:t>Click to edit Master text styles</a:t>
             </a:r>
           </a:p>
@@ -2297,7 +2301,7 @@
               <a:pPr>
                 <a:defRPr/>
               </a:pPr>
-              <a:t>10/20/2017</a:t>
+              <a:t>10/23/2017</a:t>
             </a:fld>
             <a:endParaRPr lang="en-US" dirty="0"/>
           </a:p>
@@ -2472,7 +2476,7 @@
           <a:lstStyle/>
           <a:p>
             <a:r>
-              <a:rPr lang="en-US" smtClean="0"/>
+              <a:rPr lang="en-US"/>
               <a:t>Click to edit Master title style</a:t>
             </a:r>
             <a:endParaRPr lang="en-US" dirty="0"/>
@@ -2567,7 +2571,7 @@
           <a:p>
             <a:pPr lvl="0"/>
             <a:r>
-              <a:rPr lang="en-US" smtClean="0"/>
+              <a:rPr lang="en-US"/>
               <a:t>Click to edit Master text styles</a:t>
             </a:r>
           </a:p>
@@ -2634,7 +2638,7 @@
           <a:p>
             <a:pPr lvl="0"/>
             <a:r>
-              <a:rPr lang="en-US" smtClean="0"/>
+              <a:rPr lang="en-US"/>
               <a:t>Click to edit Master text styles</a:t>
             </a:r>
           </a:p>
@@ -2696,7 +2700,7 @@
           <a:p>
             <a:pPr lvl="0"/>
             <a:r>
-              <a:rPr lang="en-US" smtClean="0"/>
+              <a:rPr lang="en-US"/>
               <a:t>Click to edit Master text styles</a:t>
             </a:r>
           </a:p>
@@ -2763,7 +2767,7 @@
           <a:p>
             <a:pPr lvl="0"/>
             <a:r>
-              <a:rPr lang="en-US" smtClean="0"/>
+              <a:rPr lang="en-US"/>
               <a:t>Click to edit Master text styles</a:t>
             </a:r>
           </a:p>
@@ -2825,7 +2829,7 @@
           <a:p>
             <a:pPr lvl="0"/>
             <a:r>
-              <a:rPr lang="en-US" smtClean="0"/>
+              <a:rPr lang="en-US"/>
               <a:t>Click to edit Master text styles</a:t>
             </a:r>
           </a:p>
@@ -2892,7 +2896,7 @@
           <a:p>
             <a:pPr lvl="0"/>
             <a:r>
-              <a:rPr lang="en-US" smtClean="0"/>
+              <a:rPr lang="en-US"/>
               <a:t>Click to edit Master text styles</a:t>
             </a:r>
           </a:p>
@@ -2925,7 +2929,7 @@
               <a:pPr>
                 <a:defRPr/>
               </a:pPr>
-              <a:t>10/20/2017</a:t>
+              <a:t>10/23/2017</a:t>
             </a:fld>
             <a:endParaRPr lang="en-US" dirty="0"/>
           </a:p>
@@ -3100,7 +3104,7 @@
           <a:lstStyle/>
           <a:p>
             <a:r>
-              <a:rPr lang="en-US" smtClean="0"/>
+              <a:rPr lang="en-US"/>
               <a:t>Click to edit Master title style</a:t>
             </a:r>
             <a:endParaRPr lang="en-US" dirty="0"/>
@@ -3191,7 +3195,7 @@
           <a:p>
             <a:pPr lvl="0"/>
             <a:r>
-              <a:rPr lang="en-US" smtClean="0"/>
+              <a:rPr lang="en-US"/>
               <a:t>Click to edit Master text styles</a:t>
             </a:r>
           </a:p>
@@ -3270,7 +3274,7 @@
           <a:p>
             <a:pPr lvl="0"/>
             <a:r>
-              <a:rPr lang="en-US" noProof="0" smtClean="0"/>
+              <a:rPr lang="en-US" noProof="0"/>
               <a:t>Click icon to add picture</a:t>
             </a:r>
             <a:endParaRPr lang="en-US" noProof="0" dirty="0"/>
@@ -3338,7 +3342,7 @@
           <a:p>
             <a:pPr lvl="0"/>
             <a:r>
-              <a:rPr lang="en-US" smtClean="0"/>
+              <a:rPr lang="en-US"/>
               <a:t>Click to edit Master text styles</a:t>
             </a:r>
           </a:p>
@@ -3428,7 +3432,7 @@
           <a:p>
             <a:pPr lvl="0"/>
             <a:r>
-              <a:rPr lang="en-US" smtClean="0"/>
+              <a:rPr lang="en-US"/>
               <a:t>Click to edit Master text styles</a:t>
             </a:r>
           </a:p>
@@ -3507,7 +3511,7 @@
           <a:p>
             <a:pPr lvl="0"/>
             <a:r>
-              <a:rPr lang="en-US" noProof="0" smtClean="0"/>
+              <a:rPr lang="en-US" noProof="0"/>
               <a:t>Click icon to add picture</a:t>
             </a:r>
             <a:endParaRPr lang="en-US" noProof="0" dirty="0"/>
@@ -3575,7 +3579,7 @@
           <a:p>
             <a:pPr lvl="0"/>
             <a:r>
-              <a:rPr lang="en-US" smtClean="0"/>
+              <a:rPr lang="en-US"/>
               <a:t>Click to edit Master text styles</a:t>
             </a:r>
           </a:p>
@@ -3665,7 +3669,7 @@
           <a:p>
             <a:pPr lvl="0"/>
             <a:r>
-              <a:rPr lang="en-US" smtClean="0"/>
+              <a:rPr lang="en-US"/>
               <a:t>Click to edit Master text styles</a:t>
             </a:r>
           </a:p>
@@ -3744,7 +3748,7 @@
           <a:p>
             <a:pPr lvl="0"/>
             <a:r>
-              <a:rPr lang="en-US" noProof="0" smtClean="0"/>
+              <a:rPr lang="en-US" noProof="0"/>
               <a:t>Click icon to add picture</a:t>
             </a:r>
             <a:endParaRPr lang="en-US" noProof="0" dirty="0"/>
@@ -3812,7 +3816,7 @@
           <a:p>
             <a:pPr lvl="0"/>
             <a:r>
-              <a:rPr lang="en-US" smtClean="0"/>
+              <a:rPr lang="en-US"/>
               <a:t>Click to edit Master text styles</a:t>
             </a:r>
           </a:p>
@@ -3845,7 +3849,7 @@
               <a:pPr>
                 <a:defRPr/>
               </a:pPr>
-              <a:t>10/20/2017</a:t>
+              <a:t>10/23/2017</a:t>
             </a:fld>
             <a:endParaRPr lang="en-US" dirty="0"/>
           </a:p>
@@ -4015,7 +4019,7 @@
           <a:lstStyle/>
           <a:p>
             <a:r>
-              <a:rPr lang="en-US" smtClean="0"/>
+              <a:rPr lang="en-US"/>
               <a:t>Click to edit Master title style</a:t>
             </a:r>
             <a:endParaRPr lang="en-US" dirty="0"/>
@@ -4039,35 +4043,35 @@
           <a:p>
             <a:pPr lvl="0"/>
             <a:r>
-              <a:rPr lang="en-US" smtClean="0"/>
+              <a:rPr lang="en-US"/>
               <a:t>Click to edit Master text styles</a:t>
             </a:r>
           </a:p>
           <a:p>
             <a:pPr lvl="1"/>
             <a:r>
-              <a:rPr lang="en-US" smtClean="0"/>
+              <a:rPr lang="en-US"/>
               <a:t>Second level</a:t>
             </a:r>
           </a:p>
           <a:p>
             <a:pPr lvl="2"/>
             <a:r>
-              <a:rPr lang="en-US" smtClean="0"/>
+              <a:rPr lang="en-US"/>
               <a:t>Third level</a:t>
             </a:r>
           </a:p>
           <a:p>
             <a:pPr lvl="3"/>
             <a:r>
-              <a:rPr lang="en-US" smtClean="0"/>
+              <a:rPr lang="en-US"/>
               <a:t>Fourth level</a:t>
             </a:r>
           </a:p>
           <a:p>
             <a:pPr lvl="4"/>
             <a:r>
-              <a:rPr lang="en-US" smtClean="0"/>
+              <a:rPr lang="en-US"/>
               <a:t>Fifth level</a:t>
             </a:r>
             <a:endParaRPr lang="en-US" dirty="0"/>
@@ -4101,7 +4105,7 @@
               <a:pPr>
                 <a:defRPr/>
               </a:pPr>
-              <a:t>10/20/2017</a:t>
+              <a:t>10/23/2017</a:t>
             </a:fld>
             <a:endParaRPr lang="en-US" dirty="0"/>
           </a:p>
@@ -4276,7 +4280,7 @@
           <a:lstStyle/>
           <a:p>
             <a:r>
-              <a:rPr lang="en-US" smtClean="0"/>
+              <a:rPr lang="en-US"/>
               <a:t>Click to edit Master title style</a:t>
             </a:r>
             <a:endParaRPr lang="en-US" dirty="0"/>
@@ -4305,35 +4309,35 @@
           <a:p>
             <a:pPr lvl="0"/>
             <a:r>
-              <a:rPr lang="en-US" smtClean="0"/>
+              <a:rPr lang="en-US"/>
               <a:t>Click to edit Master text styles</a:t>
             </a:r>
           </a:p>
           <a:p>
             <a:pPr lvl="1"/>
             <a:r>
-              <a:rPr lang="en-US" smtClean="0"/>
+              <a:rPr lang="en-US"/>
               <a:t>Second level</a:t>
             </a:r>
           </a:p>
           <a:p>
             <a:pPr lvl="2"/>
             <a:r>
-              <a:rPr lang="en-US" smtClean="0"/>
+              <a:rPr lang="en-US"/>
               <a:t>Third level</a:t>
             </a:r>
           </a:p>
           <a:p>
             <a:pPr lvl="3"/>
             <a:r>
-              <a:rPr lang="en-US" smtClean="0"/>
+              <a:rPr lang="en-US"/>
               <a:t>Fourth level</a:t>
             </a:r>
           </a:p>
           <a:p>
             <a:pPr lvl="4"/>
             <a:r>
-              <a:rPr lang="en-US" smtClean="0"/>
+              <a:rPr lang="en-US"/>
               <a:t>Fifth level</a:t>
             </a:r>
             <a:endParaRPr lang="en-US" dirty="0"/>
@@ -4367,7 +4371,7 @@
               <a:pPr>
                 <a:defRPr/>
               </a:pPr>
-              <a:t>10/20/2017</a:t>
+              <a:t>10/23/2017</a:t>
             </a:fld>
             <a:endParaRPr lang="en-US" dirty="0"/>
           </a:p>
@@ -4537,10 +4541,9 @@
           </a:lstStyle>
           <a:p>
             <a:r>
-              <a:rPr lang="en-US" dirty="0" smtClean="0"/>
+              <a:rPr lang="en-US" dirty="0"/>
               <a:t>Click to edit Master title style</a:t>
             </a:r>
-            <a:endParaRPr lang="en-US" dirty="0"/>
           </a:p>
         </p:txBody>
       </p:sp>
@@ -4568,38 +4571,37 @@
           <a:p>
             <a:pPr lvl="0"/>
             <a:r>
-              <a:rPr lang="en-US" dirty="0" smtClean="0"/>
+              <a:rPr lang="en-US" dirty="0"/>
               <a:t>Click to edit Master text styles</a:t>
             </a:r>
           </a:p>
           <a:p>
             <a:pPr lvl="1"/>
             <a:r>
-              <a:rPr lang="en-US" dirty="0" smtClean="0"/>
+              <a:rPr lang="en-US" dirty="0"/>
               <a:t>Second level</a:t>
             </a:r>
           </a:p>
           <a:p>
             <a:pPr lvl="2"/>
             <a:r>
-              <a:rPr lang="en-US" dirty="0" smtClean="0"/>
+              <a:rPr lang="en-US" dirty="0"/>
               <a:t>Third level</a:t>
             </a:r>
           </a:p>
           <a:p>
             <a:pPr lvl="3"/>
             <a:r>
-              <a:rPr lang="en-US" dirty="0" smtClean="0"/>
+              <a:rPr lang="en-US" dirty="0"/>
               <a:t>Fourth level</a:t>
             </a:r>
           </a:p>
           <a:p>
             <a:pPr lvl="4"/>
             <a:r>
-              <a:rPr lang="en-US" dirty="0" smtClean="0"/>
+              <a:rPr lang="en-US" dirty="0"/>
               <a:t>Fifth level</a:t>
             </a:r>
-            <a:endParaRPr lang="en-US" dirty="0"/>
           </a:p>
         </p:txBody>
       </p:sp>
@@ -4630,7 +4632,7 @@
               <a:pPr>
                 <a:defRPr/>
               </a:pPr>
-              <a:t>10/20/2017</a:t>
+              <a:t>10/23/2017</a:t>
             </a:fld>
             <a:endParaRPr lang="en-US" dirty="0"/>
           </a:p>
@@ -4779,7 +4781,7 @@
           </a:lstStyle>
           <a:p>
             <a:r>
-              <a:rPr lang="en-US" smtClean="0"/>
+              <a:rPr lang="en-US"/>
               <a:t>Click to edit Master title style</a:t>
             </a:r>
             <a:endParaRPr lang="en-US" dirty="0"/>
@@ -4875,7 +4877,7 @@
           </a:lstStyle>
           <a:p>
             <a:r>
-              <a:rPr lang="en-US" smtClean="0"/>
+              <a:rPr lang="en-US"/>
               <a:t>Click to edit Master subtitle style</a:t>
             </a:r>
             <a:endParaRPr lang="en-US" dirty="0"/>
@@ -4909,7 +4911,7 @@
               <a:pPr>
                 <a:defRPr/>
               </a:pPr>
-              <a:t>10/20/2017</a:t>
+              <a:t>10/23/2017</a:t>
             </a:fld>
             <a:endParaRPr lang="en-US" dirty="0"/>
           </a:p>
@@ -5015,7 +5017,7 @@
           <a:lstStyle/>
           <a:p>
             <a:r>
-              <a:rPr lang="en-US" smtClean="0"/>
+              <a:rPr lang="en-US"/>
               <a:t>Click to edit Master title style</a:t>
             </a:r>
             <a:endParaRPr lang="en-US" dirty="0"/>
@@ -5044,35 +5046,35 @@
           <a:p>
             <a:pPr lvl="0"/>
             <a:r>
-              <a:rPr lang="en-US" smtClean="0"/>
+              <a:rPr lang="en-US"/>
               <a:t>Click to edit Master text styles</a:t>
             </a:r>
           </a:p>
           <a:p>
             <a:pPr lvl="1"/>
             <a:r>
-              <a:rPr lang="en-US" smtClean="0"/>
+              <a:rPr lang="en-US"/>
               <a:t>Second level</a:t>
             </a:r>
           </a:p>
           <a:p>
             <a:pPr lvl="2"/>
             <a:r>
-              <a:rPr lang="en-US" smtClean="0"/>
+              <a:rPr lang="en-US"/>
               <a:t>Third level</a:t>
             </a:r>
           </a:p>
           <a:p>
             <a:pPr lvl="3"/>
             <a:r>
-              <a:rPr lang="en-US" smtClean="0"/>
+              <a:rPr lang="en-US"/>
               <a:t>Fourth level</a:t>
             </a:r>
           </a:p>
           <a:p>
             <a:pPr lvl="4"/>
             <a:r>
-              <a:rPr lang="en-US" smtClean="0"/>
+              <a:rPr lang="en-US"/>
               <a:t>Fifth level</a:t>
             </a:r>
             <a:endParaRPr lang="en-US" dirty="0"/>
@@ -5101,35 +5103,35 @@
           <a:p>
             <a:pPr lvl="0"/>
             <a:r>
-              <a:rPr lang="en-US" smtClean="0"/>
+              <a:rPr lang="en-US"/>
               <a:t>Click to edit Master text styles</a:t>
             </a:r>
           </a:p>
           <a:p>
             <a:pPr lvl="1"/>
             <a:r>
-              <a:rPr lang="en-US" smtClean="0"/>
+              <a:rPr lang="en-US"/>
               <a:t>Second level</a:t>
             </a:r>
           </a:p>
           <a:p>
             <a:pPr lvl="2"/>
             <a:r>
-              <a:rPr lang="en-US" smtClean="0"/>
+              <a:rPr lang="en-US"/>
               <a:t>Third level</a:t>
             </a:r>
           </a:p>
           <a:p>
             <a:pPr lvl="3"/>
             <a:r>
-              <a:rPr lang="en-US" smtClean="0"/>
+              <a:rPr lang="en-US"/>
               <a:t>Fourth level</a:t>
             </a:r>
           </a:p>
           <a:p>
             <a:pPr lvl="4"/>
             <a:r>
-              <a:rPr lang="en-US" smtClean="0"/>
+              <a:rPr lang="en-US"/>
               <a:t>Fifth level</a:t>
             </a:r>
             <a:endParaRPr lang="en-US" dirty="0"/>
@@ -5163,7 +5165,7 @@
               <a:pPr>
                 <a:defRPr/>
               </a:pPr>
-              <a:t>10/20/2017</a:t>
+              <a:t>10/23/2017</a:t>
             </a:fld>
             <a:endParaRPr lang="en-US" dirty="0"/>
           </a:p>
@@ -5274,7 +5276,7 @@
           <a:lstStyle/>
           <a:p>
             <a:r>
-              <a:rPr lang="en-US" smtClean="0"/>
+              <a:rPr lang="en-US"/>
               <a:t>Click to edit Master title style</a:t>
             </a:r>
             <a:endParaRPr lang="en-US" dirty="0"/>
@@ -5369,7 +5371,7 @@
           <a:p>
             <a:pPr lvl="0"/>
             <a:r>
-              <a:rPr lang="en-US" smtClean="0"/>
+              <a:rPr lang="en-US"/>
               <a:t>Click to edit Master text styles</a:t>
             </a:r>
           </a:p>
@@ -5397,35 +5399,35 @@
           <a:p>
             <a:pPr lvl="0"/>
             <a:r>
-              <a:rPr lang="en-US" smtClean="0"/>
+              <a:rPr lang="en-US"/>
               <a:t>Click to edit Master text styles</a:t>
             </a:r>
           </a:p>
           <a:p>
             <a:pPr lvl="1"/>
             <a:r>
-              <a:rPr lang="en-US" smtClean="0"/>
+              <a:rPr lang="en-US"/>
               <a:t>Second level</a:t>
             </a:r>
           </a:p>
           <a:p>
             <a:pPr lvl="2"/>
             <a:r>
-              <a:rPr lang="en-US" smtClean="0"/>
+              <a:rPr lang="en-US"/>
               <a:t>Third level</a:t>
             </a:r>
           </a:p>
           <a:p>
             <a:pPr lvl="3"/>
             <a:r>
-              <a:rPr lang="en-US" smtClean="0"/>
+              <a:rPr lang="en-US"/>
               <a:t>Fourth level</a:t>
             </a:r>
           </a:p>
           <a:p>
             <a:pPr lvl="4"/>
             <a:r>
-              <a:rPr lang="en-US" smtClean="0"/>
+              <a:rPr lang="en-US"/>
               <a:t>Fifth level</a:t>
             </a:r>
             <a:endParaRPr lang="en-US" dirty="0"/>
@@ -5488,7 +5490,7 @@
           <a:p>
             <a:pPr lvl="0"/>
             <a:r>
-              <a:rPr lang="en-US" smtClean="0"/>
+              <a:rPr lang="en-US"/>
               <a:t>Click to edit Master text styles</a:t>
             </a:r>
           </a:p>
@@ -5516,35 +5518,35 @@
           <a:p>
             <a:pPr lvl="0"/>
             <a:r>
-              <a:rPr lang="en-US" smtClean="0"/>
+              <a:rPr lang="en-US"/>
               <a:t>Click to edit Master text styles</a:t>
             </a:r>
           </a:p>
           <a:p>
             <a:pPr lvl="1"/>
             <a:r>
-              <a:rPr lang="en-US" smtClean="0"/>
+              <a:rPr lang="en-US"/>
               <a:t>Second level</a:t>
             </a:r>
           </a:p>
           <a:p>
             <a:pPr lvl="2"/>
             <a:r>
-              <a:rPr lang="en-US" smtClean="0"/>
+              <a:rPr lang="en-US"/>
               <a:t>Third level</a:t>
             </a:r>
           </a:p>
           <a:p>
             <a:pPr lvl="3"/>
             <a:r>
-              <a:rPr lang="en-US" smtClean="0"/>
+              <a:rPr lang="en-US"/>
               <a:t>Fourth level</a:t>
             </a:r>
           </a:p>
           <a:p>
             <a:pPr lvl="4"/>
             <a:r>
-              <a:rPr lang="en-US" smtClean="0"/>
+              <a:rPr lang="en-US"/>
               <a:t>Fifth level</a:t>
             </a:r>
             <a:endParaRPr lang="en-US" dirty="0"/>
@@ -5578,7 +5580,7 @@
               <a:pPr>
                 <a:defRPr/>
               </a:pPr>
-              <a:t>10/20/2017</a:t>
+              <a:t>10/23/2017</a:t>
             </a:fld>
             <a:endParaRPr lang="en-US" dirty="0"/>
           </a:p>
@@ -5684,7 +5686,7 @@
           <a:lstStyle/>
           <a:p>
             <a:r>
-              <a:rPr lang="en-US" smtClean="0"/>
+              <a:rPr lang="en-US"/>
               <a:t>Click to edit Master title style</a:t>
             </a:r>
             <a:endParaRPr lang="en-US" dirty="0"/>
@@ -5718,7 +5720,7 @@
               <a:pPr>
                 <a:defRPr/>
               </a:pPr>
-              <a:t>10/20/2017</a:t>
+              <a:t>10/23/2017</a:t>
             </a:fld>
             <a:endParaRPr lang="en-US" dirty="0"/>
           </a:p>
@@ -5835,7 +5837,7 @@
               <a:pPr>
                 <a:defRPr/>
               </a:pPr>
-              <a:t>10/20/2017</a:t>
+              <a:t>10/23/2017</a:t>
             </a:fld>
             <a:endParaRPr lang="en-US" dirty="0"/>
           </a:p>
@@ -5950,7 +5952,7 @@
           </a:lstStyle>
           <a:p>
             <a:r>
-              <a:rPr lang="en-US" smtClean="0"/>
+              <a:rPr lang="en-US"/>
               <a:t>Click to edit Master title style</a:t>
             </a:r>
             <a:endParaRPr lang="en-US" dirty="0"/>
@@ -5979,35 +5981,35 @@
           <a:p>
             <a:pPr lvl="0"/>
             <a:r>
-              <a:rPr lang="en-US" smtClean="0"/>
+              <a:rPr lang="en-US"/>
               <a:t>Click to edit Master text styles</a:t>
             </a:r>
           </a:p>
           <a:p>
             <a:pPr lvl="1"/>
             <a:r>
-              <a:rPr lang="en-US" smtClean="0"/>
+              <a:rPr lang="en-US"/>
               <a:t>Second level</a:t>
             </a:r>
           </a:p>
           <a:p>
             <a:pPr lvl="2"/>
             <a:r>
-              <a:rPr lang="en-US" smtClean="0"/>
+              <a:rPr lang="en-US"/>
               <a:t>Third level</a:t>
             </a:r>
           </a:p>
           <a:p>
             <a:pPr lvl="3"/>
             <a:r>
-              <a:rPr lang="en-US" smtClean="0"/>
+              <a:rPr lang="en-US"/>
               <a:t>Fourth level</a:t>
             </a:r>
           </a:p>
           <a:p>
             <a:pPr lvl="4"/>
             <a:r>
-              <a:rPr lang="en-US" smtClean="0"/>
+              <a:rPr lang="en-US"/>
               <a:t>Fifth level</a:t>
             </a:r>
             <a:endParaRPr lang="en-US" dirty="0"/>
@@ -6099,7 +6101,7 @@
           <a:p>
             <a:pPr lvl="0"/>
             <a:r>
-              <a:rPr lang="en-US" smtClean="0"/>
+              <a:rPr lang="en-US"/>
               <a:t>Click to edit Master text styles</a:t>
             </a:r>
           </a:p>
@@ -6132,7 +6134,7 @@
               <a:pPr>
                 <a:defRPr/>
               </a:pPr>
-              <a:t>10/20/2017</a:t>
+              <a:t>10/23/2017</a:t>
             </a:fld>
             <a:endParaRPr lang="en-US" dirty="0"/>
           </a:p>
@@ -6247,7 +6249,7 @@
           </a:lstStyle>
           <a:p>
             <a:r>
-              <a:rPr lang="en-US" smtClean="0"/>
+              <a:rPr lang="en-US"/>
               <a:t>Click to edit Master title style</a:t>
             </a:r>
             <a:endParaRPr lang="en-US" dirty="0"/>
@@ -6315,7 +6317,7 @@
           <a:p>
             <a:pPr lvl="0"/>
             <a:r>
-              <a:rPr lang="en-US" noProof="0" smtClean="0"/>
+              <a:rPr lang="en-US" noProof="0"/>
               <a:t>Click icon to add picture</a:t>
             </a:r>
             <a:endParaRPr lang="en-US" noProof="0" dirty="0"/>
@@ -6407,7 +6409,7 @@
           <a:p>
             <a:pPr lvl="0"/>
             <a:r>
-              <a:rPr lang="en-US" smtClean="0"/>
+              <a:rPr lang="en-US"/>
               <a:t>Click to edit Master text styles</a:t>
             </a:r>
           </a:p>
@@ -6440,7 +6442,7 @@
               <a:pPr>
                 <a:defRPr/>
               </a:pPr>
-              <a:t>10/20/2017</a:t>
+              <a:t>10/23/2017</a:t>
             </a:fld>
             <a:endParaRPr lang="en-US" dirty="0"/>
           </a:p>
@@ -6590,7 +6592,7 @@
           <a:p>
             <a:pPr lvl="0"/>
             <a:r>
-              <a:rPr lang="en-US" altLang="en-US" smtClean="0"/>
+              <a:rPr lang="en-US" altLang="en-US"/>
               <a:t>Click to edit Master title style</a:t>
             </a:r>
           </a:p>
@@ -6648,35 +6650,35 @@
           <a:p>
             <a:pPr lvl="0"/>
             <a:r>
-              <a:rPr lang="en-US" altLang="en-US" smtClean="0"/>
+              <a:rPr lang="en-US" altLang="en-US"/>
               <a:t>Click to edit Master text styles</a:t>
             </a:r>
           </a:p>
           <a:p>
             <a:pPr lvl="1"/>
             <a:r>
-              <a:rPr lang="en-US" altLang="en-US" smtClean="0"/>
+              <a:rPr lang="en-US" altLang="en-US"/>
               <a:t>Second level</a:t>
             </a:r>
           </a:p>
           <a:p>
             <a:pPr lvl="2"/>
             <a:r>
-              <a:rPr lang="en-US" altLang="en-US" smtClean="0"/>
+              <a:rPr lang="en-US" altLang="en-US"/>
               <a:t>Third level</a:t>
             </a:r>
           </a:p>
           <a:p>
             <a:pPr lvl="3"/>
             <a:r>
-              <a:rPr lang="en-US" altLang="en-US" smtClean="0"/>
+              <a:rPr lang="en-US" altLang="en-US"/>
               <a:t>Fourth level</a:t>
             </a:r>
           </a:p>
           <a:p>
             <a:pPr lvl="4"/>
             <a:r>
-              <a:rPr lang="en-US" altLang="en-US" smtClean="0"/>
+              <a:rPr lang="en-US" altLang="en-US"/>
               <a:t>Fifth level</a:t>
             </a:r>
           </a:p>
@@ -6749,7 +6751,7 @@
               <a:pPr>
                 <a:defRPr/>
               </a:pPr>
-              <a:t>10/20/2017</a:t>
+              <a:t>10/23/2017</a:t>
             </a:fld>
             <a:endParaRPr lang="en-US" dirty="0"/>
           </a:p>
@@ -7915,18 +7917,13 @@
               <a:buNone/>
             </a:pPr>
             <a:r>
-              <a:rPr lang="en-US" altLang="en-US" dirty="0" smtClean="0">
+              <a:rPr lang="en-US" altLang="en-US" dirty="0">
                 <a:solidFill>
                   <a:srgbClr val="FFC000"/>
                 </a:solidFill>
               </a:rPr>
               <a:t>Advanced operating model specification</a:t>
             </a:r>
-            <a:endParaRPr lang="en-US" altLang="en-US" dirty="0">
-              <a:solidFill>
-                <a:srgbClr val="FFC000"/>
-              </a:solidFill>
-            </a:endParaRPr>
           </a:p>
         </p:txBody>
       </p:sp>
@@ -8144,34 +8141,10 @@
                   <a:srgbClr val="FFC000"/>
                 </a:solidFill>
               </a:rPr>
-              <a:t>Lecture </a:t>
-            </a:r>
-            <a:r>
-              <a:rPr lang="en-US" altLang="en-US" sz="1800" dirty="0" smtClean="0">
-                <a:solidFill>
-                  <a:srgbClr val="FFC000"/>
-                </a:solidFill>
-              </a:rPr>
-              <a:t>4a,  </a:t>
-            </a:r>
-            <a:r>
-              <a:rPr lang="en-US" altLang="en-US" sz="1800" dirty="0">
-                <a:solidFill>
-                  <a:srgbClr val="FFC000"/>
-                </a:solidFill>
-              </a:rPr>
-              <a:t>Nov </a:t>
-            </a:r>
-            <a:r>
-              <a:rPr lang="en-US" altLang="en-US" sz="1800" dirty="0" smtClean="0">
-                <a:solidFill>
-                  <a:srgbClr val="FFC000"/>
-                </a:solidFill>
-              </a:rPr>
-              <a:t>22</a:t>
-            </a:r>
-            <a:r>
-              <a:rPr lang="en-US" altLang="en-US" sz="1800" baseline="30000" dirty="0" smtClean="0">
+              <a:t>Lecture 4a,  Nov 22</a:t>
+            </a:r>
+            <a:r>
+              <a:rPr lang="en-US" altLang="en-US" sz="1800" baseline="30000" dirty="0">
                 <a:solidFill>
                   <a:srgbClr val="FFC000"/>
                 </a:solidFill>
@@ -8179,20 +8152,12 @@
               <a:t>nd</a:t>
             </a:r>
             <a:r>
-              <a:rPr lang="en-US" altLang="en-US" sz="1800" dirty="0" smtClean="0">
+              <a:rPr lang="en-US" altLang="en-US" sz="1800" dirty="0">
                 <a:solidFill>
                   <a:srgbClr val="FFC000"/>
                 </a:solidFill>
               </a:rPr>
-              <a:t> </a:t>
-            </a:r>
-            <a:r>
-              <a:rPr lang="en-US" altLang="en-US" sz="1800" dirty="0">
-                <a:solidFill>
-                  <a:srgbClr val="FFC000"/>
-                </a:solidFill>
-              </a:rPr>
-              <a:t>2017</a:t>
+              <a:t> 2017</a:t>
             </a:r>
           </a:p>
         </p:txBody>
@@ -8453,7 +8418,7 @@
           <p:cNvPr id="4" name="Picture 3">
             <a:extLst>
               <a:ext uri="{FF2B5EF4-FFF2-40B4-BE49-F238E27FC236}">
-                <a16:creationId xmlns:a16="http://schemas.microsoft.com/office/drawing/2014/main" xmlns="" id="{C65DC03F-AEEF-4777-8132-3DBBB17CD723}"/>
+                <a16:creationId xmlns:a16="http://schemas.microsoft.com/office/drawing/2014/main" id="{C65DC03F-AEEF-4777-8132-3DBBB17CD723}"/>
               </a:ext>
             </a:extLst>
           </p:cNvPr>
@@ -8488,13 +8453,6 @@
   <p:clrMapOvr>
     <a:masterClrMapping/>
   </p:clrMapOvr>
-  <p:timing>
-    <p:tnLst>
-      <p:par>
-        <p:cTn id="1" dur="indefinite" restart="never" nodeType="tmRoot"/>
-      </p:par>
-    </p:tnLst>
-  </p:timing>
 </p:sld>
 </file>
 
@@ -8684,13 +8642,6 @@
   <p:clrMapOvr>
     <a:masterClrMapping/>
   </p:clrMapOvr>
-  <p:timing>
-    <p:tnLst>
-      <p:par>
-        <p:cTn id="1" dur="indefinite" restart="never" nodeType="tmRoot"/>
-      </p:par>
-    </p:tnLst>
-  </p:timing>
 </p:sld>
 </file>
 
@@ -8732,10 +8683,9 @@
           <a:lstStyle/>
           <a:p>
             <a:r>
-              <a:rPr lang="en-CA" dirty="0" smtClean="0"/>
+              <a:rPr lang="en-CA" dirty="0"/>
               <a:t>Conditioning OMs using Stock Synthesis</a:t>
             </a:r>
-            <a:endParaRPr lang="en-CA" dirty="0"/>
           </a:p>
         </p:txBody>
       </p:sp>
@@ -8766,15 +8716,11 @@
               <a:buNone/>
             </a:pPr>
             <a:r>
-              <a:rPr lang="en-CA" dirty="0" smtClean="0"/>
-              <a:t>A DLMtool </a:t>
-            </a:r>
-            <a:r>
-              <a:rPr lang="en-CA" dirty="0" smtClean="0"/>
-              <a:t>functions  </a:t>
-            </a:r>
-            <a:r>
-              <a:rPr lang="en-CA" dirty="0" smtClean="0">
+              <a:rPr lang="en-CA" dirty="0"/>
+              <a:t>A DLMtool functions  </a:t>
+            </a:r>
+            <a:r>
+              <a:rPr lang="en-CA" dirty="0">
                 <a:solidFill>
                   <a:srgbClr val="00B050"/>
                 </a:solidFill>
@@ -8782,11 +8728,11 @@
               <a:t>SS2DLM() </a:t>
             </a:r>
             <a:r>
-              <a:rPr lang="en-CA" dirty="0" smtClean="0"/>
+              <a:rPr lang="en-CA" dirty="0"/>
               <a:t>and </a:t>
             </a:r>
             <a:r>
-              <a:rPr lang="en-CA" dirty="0" smtClean="0">
+              <a:rPr lang="en-CA" dirty="0">
                 <a:solidFill>
                   <a:srgbClr val="00B050"/>
                 </a:solidFill>
@@ -8794,15 +8740,11 @@
               <a:t>iSCAM2DLM() </a:t>
             </a:r>
             <a:r>
-              <a:rPr lang="en-CA" dirty="0" smtClean="0"/>
-              <a:t>do </a:t>
-            </a:r>
-            <a:r>
-              <a:rPr lang="en-CA" dirty="0" smtClean="0"/>
-              <a:t>something very similar to </a:t>
-            </a:r>
-            <a:r>
-              <a:rPr lang="en-CA" dirty="0" err="1" smtClean="0">
+              <a:rPr lang="en-CA" dirty="0"/>
+              <a:t>do something very similar to </a:t>
+            </a:r>
+            <a:r>
+              <a:rPr lang="en-CA" dirty="0" err="1">
                 <a:solidFill>
                   <a:srgbClr val="00B050"/>
                 </a:solidFill>
@@ -8810,7 +8752,7 @@
               <a:t>StochasticSRA</a:t>
             </a:r>
             <a:r>
-              <a:rPr lang="en-CA" dirty="0" smtClean="0">
+              <a:rPr lang="en-CA" dirty="0">
                 <a:solidFill>
                   <a:srgbClr val="00B050"/>
                 </a:solidFill>
@@ -8818,16 +8760,8 @@
               <a:t>() </a:t>
             </a:r>
             <a:r>
-              <a:rPr lang="en-CA" dirty="0" smtClean="0"/>
-              <a:t>except </a:t>
-            </a:r>
-            <a:r>
-              <a:rPr lang="en-CA" dirty="0" smtClean="0"/>
-              <a:t>they </a:t>
-            </a:r>
-            <a:r>
-              <a:rPr lang="en-CA" dirty="0" smtClean="0"/>
-              <a:t>borrows the estimates from a fitted statistical catch at age assessment. </a:t>
+              <a:rPr lang="en-CA" dirty="0"/>
+              <a:t>except they borrows the estimates from a fitted statistical catch at age assessment. </a:t>
             </a:r>
           </a:p>
           <a:p>
@@ -8838,11 +8772,11 @@
               <a:buNone/>
             </a:pPr>
             <a:r>
-              <a:rPr lang="en-CA" dirty="0" smtClean="0"/>
+              <a:rPr lang="en-CA" dirty="0"/>
               <a:t>Both</a:t>
             </a:r>
             <a:r>
-              <a:rPr lang="en-CA" dirty="0" smtClean="0">
+              <a:rPr lang="en-CA" dirty="0">
                 <a:solidFill>
                   <a:srgbClr val="00B050"/>
                 </a:solidFill>
@@ -8850,11 +8784,11 @@
               <a:t> SS2DLM() </a:t>
             </a:r>
             <a:r>
-              <a:rPr lang="en-CA" dirty="0" smtClean="0"/>
+              <a:rPr lang="en-CA" dirty="0"/>
               <a:t>and</a:t>
             </a:r>
             <a:r>
-              <a:rPr lang="en-CA" dirty="0" smtClean="0">
+              <a:rPr lang="en-CA" dirty="0">
                 <a:solidFill>
                   <a:srgbClr val="00B050"/>
                 </a:solidFill>
@@ -8862,26 +8796,9 @@
               <a:t> iSCAM2DLM() </a:t>
             </a:r>
             <a:r>
-              <a:rPr lang="en-CA" dirty="0" smtClean="0"/>
-              <a:t>require </a:t>
-            </a:r>
-            <a:r>
-              <a:rPr lang="en-CA" dirty="0" smtClean="0"/>
-              <a:t>the input and output files of an fitted </a:t>
-            </a:r>
-            <a:r>
-              <a:rPr lang="en-CA" dirty="0" smtClean="0"/>
-              <a:t>assessment in </a:t>
-            </a:r>
-            <a:r>
-              <a:rPr lang="en-CA" dirty="0" smtClean="0"/>
-              <a:t>a directory </a:t>
-            </a:r>
-            <a:r>
-              <a:rPr lang="en-CA" dirty="0" smtClean="0"/>
-              <a:t>e.g.</a:t>
-            </a:r>
-            <a:endParaRPr lang="en-CA" dirty="0" smtClean="0"/>
+              <a:rPr lang="en-CA" dirty="0"/>
+              <a:t>require the input and output files of an fitted assessment in a directory e.g.</a:t>
+            </a:r>
           </a:p>
           <a:p>
             <a:pPr marL="0" indent="0">
@@ -8891,7 +8808,7 @@
               <a:buNone/>
             </a:pPr>
             <a:r>
-              <a:rPr lang="en-CA" dirty="0" err="1" smtClean="0">
+              <a:rPr lang="en-CA" dirty="0" err="1">
                 <a:solidFill>
                   <a:srgbClr val="00B050"/>
                 </a:solidFill>
@@ -8899,7 +8816,7 @@
               <a:t>myOM</a:t>
             </a:r>
             <a:r>
-              <a:rPr lang="en-CA" dirty="0" smtClean="0">
+              <a:rPr lang="en-CA" dirty="0">
                 <a:solidFill>
                   <a:srgbClr val="00B050"/>
                 </a:solidFill>
@@ -8907,7 +8824,7 @@
               <a:t> = SS2DLM(</a:t>
             </a:r>
             <a:r>
-              <a:rPr lang="en-CA" dirty="0" err="1" smtClean="0">
+              <a:rPr lang="en-CA" dirty="0" err="1">
                 <a:solidFill>
                   <a:srgbClr val="00B050"/>
                 </a:solidFill>
@@ -8915,7 +8832,7 @@
               <a:t>SSdir</a:t>
             </a:r>
             <a:r>
-              <a:rPr lang="en-CA" dirty="0" smtClean="0">
+              <a:rPr lang="en-CA" dirty="0">
                 <a:solidFill>
                   <a:srgbClr val="00B050"/>
                 </a:solidFill>
@@ -8931,7 +8848,7 @@
               <a:buNone/>
             </a:pPr>
             <a:r>
-              <a:rPr lang="en-CA" dirty="0" smtClean="0"/>
+              <a:rPr lang="en-CA" dirty="0"/>
               <a:t>So far SS2DLM has been tested on three fitted SS runs including Gulf of Mexico Red Snapper and Indian Ocean yellowfin tuna. </a:t>
             </a:r>
           </a:p>
@@ -8943,10 +8860,9 @@
               <a:buNone/>
             </a:pPr>
             <a:r>
-              <a:rPr lang="en-CA" dirty="0" smtClean="0"/>
+              <a:rPr lang="en-CA" dirty="0"/>
               <a:t>It is a work in progress and thus far only take MLE (best estimates) from the SS3 assessment. </a:t>
             </a:r>
-            <a:endParaRPr lang="en-CA" dirty="0"/>
           </a:p>
           <a:p>
             <a:pPr marL="0" indent="0">
@@ -8980,13 +8896,6 @@
   <p:clrMapOvr>
     <a:masterClrMapping/>
   </p:clrMapOvr>
-  <p:timing>
-    <p:tnLst>
-      <p:par>
-        <p:cTn id="1" dur="indefinite" restart="never" nodeType="tmRoot"/>
-      </p:par>
-    </p:tnLst>
-  </p:timing>
 </p:sld>
 </file>
 
@@ -9028,10 +8937,9 @@
           <a:lstStyle/>
           <a:p>
             <a:r>
-              <a:rPr lang="en-CA" dirty="0" smtClean="0"/>
+              <a:rPr lang="en-CA" dirty="0"/>
               <a:t>Handy commands</a:t>
             </a:r>
-            <a:endParaRPr lang="en-CA" dirty="0"/>
           </a:p>
         </p:txBody>
       </p:sp>
@@ -9059,11 +8967,11 @@
               <a:buNone/>
             </a:pPr>
             <a:r>
-              <a:rPr lang="en-CA" sz="2200" dirty="0" err="1" smtClean="0"/>
+              <a:rPr lang="en-CA" sz="2200" dirty="0" err="1"/>
               <a:t>ChooseEffort</a:t>
             </a:r>
             <a:r>
-              <a:rPr lang="en-CA" sz="2200" dirty="0" smtClean="0"/>
+              <a:rPr lang="en-CA" sz="2200" dirty="0"/>
               <a:t>(Fleet object)</a:t>
             </a:r>
           </a:p>
@@ -9072,11 +8980,11 @@
               <a:buNone/>
             </a:pPr>
             <a:r>
-              <a:rPr lang="en-CA" sz="2200" dirty="0" err="1" smtClean="0"/>
+              <a:rPr lang="en-CA" sz="2200" dirty="0" err="1"/>
               <a:t>ChooseSelect</a:t>
             </a:r>
             <a:r>
-              <a:rPr lang="en-CA" sz="2200" dirty="0" smtClean="0"/>
+              <a:rPr lang="en-CA" sz="2200" dirty="0"/>
               <a:t>(Fleet, Stock)</a:t>
             </a:r>
           </a:p>
@@ -9085,11 +8993,11 @@
               <a:buNone/>
             </a:pPr>
             <a:r>
-              <a:rPr lang="en-CA" sz="2200" dirty="0" err="1" smtClean="0"/>
+              <a:rPr lang="en-CA" sz="2200" dirty="0" err="1"/>
               <a:t>ForceCor</a:t>
             </a:r>
             <a:r>
-              <a:rPr lang="en-CA" sz="2200" dirty="0" smtClean="0"/>
+              <a:rPr lang="en-CA" sz="2200" dirty="0"/>
               <a:t>(OM object)</a:t>
             </a:r>
           </a:p>
@@ -9098,19 +9006,19 @@
               <a:buNone/>
             </a:pPr>
             <a:r>
-              <a:rPr lang="en-CA" sz="2200" dirty="0" err="1" smtClean="0"/>
+              <a:rPr lang="en-CA" sz="2200" dirty="0" err="1"/>
               <a:t>StochasticSRA</a:t>
             </a:r>
             <a:r>
-              <a:rPr lang="en-CA" sz="2200" dirty="0" smtClean="0"/>
+              <a:rPr lang="en-CA" sz="2200" dirty="0"/>
               <a:t>(OM, CAA, </a:t>
             </a:r>
             <a:r>
-              <a:rPr lang="en-CA" sz="2200" dirty="0" err="1" smtClean="0"/>
+              <a:rPr lang="en-CA" sz="2200" dirty="0" err="1"/>
               <a:t>Chist</a:t>
             </a:r>
             <a:r>
-              <a:rPr lang="en-CA" sz="2200" dirty="0" smtClean="0"/>
+              <a:rPr lang="en-CA" sz="2200" dirty="0"/>
               <a:t>)</a:t>
             </a:r>
           </a:p>
@@ -9119,15 +9027,15 @@
               <a:buNone/>
             </a:pPr>
             <a:r>
-              <a:rPr lang="en-CA" sz="2200" dirty="0" smtClean="0"/>
+              <a:rPr lang="en-CA" sz="2200" dirty="0"/>
               <a:t>SS2DLM(</a:t>
             </a:r>
             <a:r>
-              <a:rPr lang="en-CA" sz="2200" dirty="0" err="1" smtClean="0"/>
+              <a:rPr lang="en-CA" sz="2200" dirty="0" err="1"/>
               <a:t>SSdir</a:t>
             </a:r>
             <a:r>
-              <a:rPr lang="en-CA" sz="2200" dirty="0" smtClean="0"/>
+              <a:rPr lang="en-CA" sz="2200" dirty="0"/>
               <a:t>)</a:t>
             </a:r>
           </a:p>
@@ -9136,11 +9044,11 @@
               <a:buNone/>
             </a:pPr>
             <a:r>
-              <a:rPr lang="en-CA" sz="2200" dirty="0" smtClean="0"/>
+              <a:rPr lang="en-CA" sz="2200" dirty="0"/>
               <a:t>iSCAM2DLM(</a:t>
             </a:r>
             <a:r>
-              <a:rPr lang="en-CA" sz="2200" dirty="0" err="1" smtClean="0"/>
+              <a:rPr lang="en-CA" sz="2200" dirty="0" err="1"/>
               <a:t>iSCAMdir</a:t>
             </a:r>
             <a:r>
@@ -9387,7 +9295,7 @@
               <a:buNone/>
             </a:pPr>
             <a:r>
-              <a:rPr lang="en-CA" sz="2200" dirty="0" err="1" smtClean="0">
+              <a:rPr lang="en-CA" sz="2200" dirty="0" err="1">
                 <a:solidFill>
                   <a:srgbClr val="00B050"/>
                 </a:solidFill>
@@ -9395,7 +9303,7 @@
               <a:t>ChooseEffort</a:t>
             </a:r>
             <a:r>
-              <a:rPr lang="en-CA" sz="2200" dirty="0" smtClean="0">
+              <a:rPr lang="en-CA" sz="2200" dirty="0">
                 <a:solidFill>
                   <a:srgbClr val="00B050"/>
                 </a:solidFill>
@@ -9403,15 +9311,15 @@
               <a:t>(</a:t>
             </a:r>
             <a:r>
-              <a:rPr lang="en-CA" sz="2200" dirty="0" err="1" smtClean="0">
+              <a:rPr lang="en-CA" sz="2200" dirty="0" err="1">
                 <a:solidFill>
                   <a:srgbClr val="00B050"/>
                 </a:solidFill>
               </a:rPr>
-              <a:t>Generic_fleet</a:t>
-            </a:r>
-            <a:r>
-              <a:rPr lang="en-CA" sz="2200" dirty="0" smtClean="0">
+              <a:t>Generic_Fleet</a:t>
+            </a:r>
+            <a:r>
+              <a:rPr lang="en-CA" sz="2200" dirty="0">
                 <a:solidFill>
                   <a:srgbClr val="00B050"/>
                 </a:solidFill>
@@ -9425,7 +9333,7 @@
               <a:buNone/>
             </a:pPr>
             <a:r>
-              <a:rPr lang="en-CA" sz="2200" dirty="0" err="1" smtClean="0">
+              <a:rPr lang="en-CA" sz="2200" dirty="0" err="1">
                 <a:solidFill>
                   <a:srgbClr val="00B050"/>
                 </a:solidFill>
@@ -9433,7 +9341,7 @@
               <a:t>ChooseSelect</a:t>
             </a:r>
             <a:r>
-              <a:rPr lang="en-CA" sz="2200" dirty="0" smtClean="0">
+              <a:rPr lang="en-CA" sz="2200" dirty="0">
                 <a:solidFill>
                   <a:srgbClr val="00B050"/>
                 </a:solidFill>
@@ -9446,7 +9354,7 @@
               <a:buNone/>
             </a:pPr>
             <a:r>
-              <a:rPr lang="en-CA" sz="2200" dirty="0" err="1" smtClean="0">
+              <a:rPr lang="en-CA" sz="2200" dirty="0" err="1">
                 <a:solidFill>
                   <a:srgbClr val="00B050"/>
                 </a:solidFill>
@@ -9454,7 +9362,7 @@
               <a:t>ForceCor</a:t>
             </a:r>
             <a:r>
-              <a:rPr lang="en-CA" sz="2200" dirty="0" smtClean="0">
+              <a:rPr lang="en-CA" sz="2200" dirty="0">
                 <a:solidFill>
                   <a:srgbClr val="00B050"/>
                 </a:solidFill>
@@ -9462,7 +9370,7 @@
               <a:t>(</a:t>
             </a:r>
             <a:r>
-              <a:rPr lang="en-CA" sz="2200" dirty="0" err="1" smtClean="0">
+              <a:rPr lang="en-CA" sz="2200" dirty="0" err="1">
                 <a:solidFill>
                   <a:srgbClr val="00B050"/>
                 </a:solidFill>
@@ -9470,7 +9378,7 @@
               <a:t>testOM</a:t>
             </a:r>
             <a:r>
-              <a:rPr lang="en-CA" sz="2200" dirty="0" smtClean="0">
+              <a:rPr lang="en-CA" sz="2200" dirty="0">
                 <a:solidFill>
                   <a:srgbClr val="00B050"/>
                 </a:solidFill>
@@ -9483,7 +9391,7 @@
               <a:buNone/>
             </a:pPr>
             <a:r>
-              <a:rPr lang="en-CA" sz="2200" dirty="0" err="1" smtClean="0">
+              <a:rPr lang="en-CA" sz="2200" dirty="0" err="1">
                 <a:solidFill>
                   <a:srgbClr val="00B050"/>
                 </a:solidFill>
@@ -9491,7 +9399,7 @@
               <a:t>StochasticSRA</a:t>
             </a:r>
             <a:r>
-              <a:rPr lang="en-CA" sz="2200" dirty="0" smtClean="0">
+              <a:rPr lang="en-CA" sz="2200" dirty="0">
                 <a:solidFill>
                   <a:srgbClr val="00B050"/>
                 </a:solidFill>
@@ -9499,7 +9407,7 @@
               <a:t>(</a:t>
             </a:r>
             <a:r>
-              <a:rPr lang="en-CA" sz="2200" dirty="0" err="1" smtClean="0">
+              <a:rPr lang="en-CA" sz="2200" dirty="0" err="1">
                 <a:solidFill>
                   <a:srgbClr val="00B050"/>
                 </a:solidFill>
@@ -9507,7 +9415,7 @@
               <a:t>testOM</a:t>
             </a:r>
             <a:r>
-              <a:rPr lang="en-CA" sz="2200" dirty="0" smtClean="0">
+              <a:rPr lang="en-CA" sz="2200" dirty="0">
                 <a:solidFill>
                   <a:srgbClr val="00B050"/>
                 </a:solidFill>
@@ -9515,7 +9423,7 @@
               <a:t>, CAA, </a:t>
             </a:r>
             <a:r>
-              <a:rPr lang="en-CA" sz="2200" dirty="0" err="1" smtClean="0">
+              <a:rPr lang="en-CA" sz="2200" dirty="0" err="1">
                 <a:solidFill>
                   <a:srgbClr val="00B050"/>
                 </a:solidFill>
@@ -9523,7 +9431,7 @@
               <a:t>Chist</a:t>
             </a:r>
             <a:r>
-              <a:rPr lang="en-CA" sz="2200" dirty="0" smtClean="0">
+              <a:rPr lang="en-CA" sz="2200" dirty="0">
                 <a:solidFill>
                   <a:srgbClr val="00B050"/>
                 </a:solidFill>
@@ -9536,7 +9444,7 @@
               <a:buNone/>
             </a:pPr>
             <a:r>
-              <a:rPr lang="en-CA" sz="2200" dirty="0" smtClean="0">
+              <a:rPr lang="en-CA" sz="2200" dirty="0">
                 <a:solidFill>
                   <a:srgbClr val="00B050"/>
                 </a:solidFill>
@@ -9544,7 +9452,7 @@
               <a:t>SS2DLM(“C:/</a:t>
             </a:r>
             <a:r>
-              <a:rPr lang="en-CA" sz="2200" dirty="0" err="1" smtClean="0">
+              <a:rPr lang="en-CA" sz="2200" dirty="0" err="1">
                 <a:solidFill>
                   <a:srgbClr val="00B050"/>
                 </a:solidFill>
@@ -9552,7 +9460,7 @@
               <a:t>Ssrun</a:t>
             </a:r>
             <a:r>
-              <a:rPr lang="en-CA" sz="2200" dirty="0" smtClean="0">
+              <a:rPr lang="en-CA" sz="2200" dirty="0">
                 <a:solidFill>
                   <a:srgbClr val="00B050"/>
                 </a:solidFill>
@@ -9565,7 +9473,7 @@
               <a:buNone/>
             </a:pPr>
             <a:r>
-              <a:rPr lang="en-CA" sz="2200" dirty="0" smtClean="0">
+              <a:rPr lang="en-CA" sz="2200" dirty="0">
                 <a:solidFill>
                   <a:srgbClr val="00B050"/>
                 </a:solidFill>
@@ -9573,7 +9481,7 @@
               <a:t>iSCAM2DLM(“C:/</a:t>
             </a:r>
             <a:r>
-              <a:rPr lang="en-CA" sz="2200" dirty="0" err="1" smtClean="0">
+              <a:rPr lang="en-CA" sz="2200" dirty="0" err="1">
                 <a:solidFill>
                   <a:srgbClr val="00B050"/>
                 </a:solidFill>
@@ -9581,18 +9489,13 @@
               <a:t>iSCAMrun</a:t>
             </a:r>
             <a:r>
-              <a:rPr lang="en-CA" sz="2200" dirty="0" smtClean="0">
+              <a:rPr lang="en-CA" sz="2200" dirty="0">
                 <a:solidFill>
                   <a:srgbClr val="00B050"/>
                 </a:solidFill>
               </a:rPr>
               <a:t>”)</a:t>
             </a:r>
-            <a:endParaRPr lang="en-CA" sz="2200" dirty="0" smtClean="0">
-              <a:solidFill>
-                <a:srgbClr val="00B050"/>
-              </a:solidFill>
-            </a:endParaRPr>
           </a:p>
           <a:p>
             <a:pPr marL="0" indent="0" algn="r">
@@ -9616,13 +9519,6 @@
   <p:clrMapOvr>
     <a:masterClrMapping/>
   </p:clrMapOvr>
-  <p:timing>
-    <p:tnLst>
-      <p:par>
-        <p:cTn id="1" dur="indefinite" restart="never" nodeType="tmRoot"/>
-      </p:par>
-    </p:tnLst>
-  </p:timing>
 </p:sld>
 </file>
 
@@ -9665,7 +9561,7 @@
           <a:p>
             <a:pPr eaLnBrk="1" hangingPunct="1"/>
             <a:r>
-              <a:rPr lang="en-CA" altLang="en-US" dirty="0" smtClean="0">
+              <a:rPr lang="en-CA" altLang="en-US" dirty="0">
                 <a:solidFill>
                   <a:srgbClr val="F6BB00"/>
                 </a:solidFill>
@@ -9703,7 +9599,7 @@
               <a:buAutoNum type="arabicPeriod"/>
             </a:pPr>
             <a:r>
-              <a:rPr lang="en-CA" altLang="en-US" sz="2800" dirty="0" smtClean="0">
+              <a:rPr lang="en-CA" altLang="en-US" sz="2800" dirty="0">
                 <a:solidFill>
                   <a:srgbClr val="27AFE5"/>
                 </a:solidFill>
@@ -9720,7 +9616,7 @@
               <a:buAutoNum type="arabicPeriod"/>
             </a:pPr>
             <a:r>
-              <a:rPr lang="en-CA" altLang="en-US" sz="2800" dirty="0" smtClean="0">
+              <a:rPr lang="en-CA" altLang="en-US" sz="2800" dirty="0">
                 <a:solidFill>
                   <a:srgbClr val="27AFE5"/>
                 </a:solidFill>
@@ -9737,7 +9633,7 @@
               <a:buAutoNum type="arabicPeriod"/>
             </a:pPr>
             <a:r>
-              <a:rPr lang="en-CA" altLang="en-US" sz="2800" dirty="0" smtClean="0">
+              <a:rPr lang="en-CA" altLang="en-US" sz="2800" dirty="0">
                 <a:solidFill>
                   <a:srgbClr val="27AFE5"/>
                 </a:solidFill>
@@ -9754,7 +9650,7 @@
               <a:buAutoNum type="arabicPeriod"/>
             </a:pPr>
             <a:r>
-              <a:rPr lang="en-CA" altLang="en-US" sz="2800" dirty="0" smtClean="0">
+              <a:rPr lang="en-CA" altLang="en-US" sz="2800" dirty="0">
                 <a:solidFill>
                   <a:srgbClr val="27AFE5"/>
                 </a:solidFill>
@@ -9771,7 +9667,7 @@
               <a:buAutoNum type="arabicPeriod"/>
             </a:pPr>
             <a:r>
-              <a:rPr lang="en-CA" altLang="en-US" sz="2800" dirty="0" smtClean="0">
+              <a:rPr lang="en-CA" altLang="en-US" sz="2800" dirty="0">
                 <a:solidFill>
                   <a:srgbClr val="27AFE5"/>
                 </a:solidFill>
@@ -9786,13 +9682,6 @@
   <p:clrMapOvr>
     <a:masterClrMapping/>
   </p:clrMapOvr>
-  <p:timing>
-    <p:tnLst>
-      <p:par>
-        <p:cTn id="1" dur="indefinite" restart="never" nodeType="tmRoot"/>
-      </p:par>
-    </p:tnLst>
-  </p:timing>
 </p:sld>
 </file>
 
@@ -9888,10 +9777,9 @@
           <a:lstStyle/>
           <a:p>
             <a:r>
-              <a:rPr lang="en-CA" dirty="0" smtClean="0"/>
+              <a:rPr lang="en-CA" dirty="0"/>
               <a:t>Specifying historical effort trends</a:t>
             </a:r>
-            <a:endParaRPr lang="en-CA" dirty="0"/>
           </a:p>
         </p:txBody>
       </p:sp>
@@ -9922,7 +9810,7 @@
               <a:buNone/>
             </a:pPr>
             <a:r>
-              <a:rPr lang="en-CA" dirty="0" smtClean="0"/>
+              <a:rPr lang="en-CA" dirty="0"/>
               <a:t>The standard way to specify historical effort trends in a DLMtool Fleet object is to use vectors that represent the upper and lower bounds:</a:t>
             </a:r>
           </a:p>
@@ -9942,7 +9830,7 @@
               </a:spcAft>
               <a:buNone/>
             </a:pPr>
-            <a:endParaRPr lang="en-CA" dirty="0" smtClean="0"/>
+            <a:endParaRPr lang="en-CA" dirty="0"/>
           </a:p>
         </p:txBody>
       </p:sp>
@@ -10343,10 +10231,9 @@
           <a:lstStyle/>
           <a:p>
             <a:r>
-              <a:rPr lang="en-CA" dirty="0" smtClean="0"/>
+              <a:rPr lang="en-CA" dirty="0"/>
               <a:t>Specifying historical effort trends: drawing</a:t>
             </a:r>
-            <a:endParaRPr lang="en-CA" dirty="0"/>
           </a:p>
         </p:txBody>
       </p:sp>
@@ -10377,15 +10264,15 @@
               <a:buNone/>
             </a:pPr>
             <a:r>
-              <a:rPr lang="en-CA" dirty="0" smtClean="0"/>
+              <a:rPr lang="en-CA" dirty="0"/>
               <a:t>An alternative way is to use the function </a:t>
             </a:r>
             <a:r>
-              <a:rPr lang="en-CA" dirty="0" err="1" smtClean="0"/>
+              <a:rPr lang="en-CA" dirty="0" err="1"/>
               <a:t>ChooseEffort</a:t>
             </a:r>
             <a:r>
-              <a:rPr lang="en-CA" dirty="0" smtClean="0"/>
+              <a:rPr lang="en-CA" dirty="0"/>
               <a:t>():</a:t>
             </a:r>
           </a:p>
@@ -10405,7 +10292,7 @@
               </a:spcAft>
               <a:buNone/>
             </a:pPr>
-            <a:endParaRPr lang="en-CA" dirty="0" smtClean="0"/>
+            <a:endParaRPr lang="en-CA" dirty="0"/>
           </a:p>
         </p:txBody>
       </p:sp>
@@ -10700,10 +10587,9 @@
           <a:lstStyle/>
           <a:p>
             <a:r>
-              <a:rPr lang="en-CA" dirty="0" smtClean="0"/>
+              <a:rPr lang="en-CA" dirty="0"/>
               <a:t>Time-varying selectivity</a:t>
             </a:r>
-            <a:endParaRPr lang="en-CA" dirty="0"/>
           </a:p>
         </p:txBody>
       </p:sp>
@@ -10731,18 +10617,17 @@
               <a:buNone/>
             </a:pPr>
             <a:r>
-              <a:rPr lang="en-CA" dirty="0" smtClean="0"/>
+              <a:rPr lang="en-CA" dirty="0"/>
               <a:t>This can be done either in the csv or in the R session </a:t>
             </a:r>
             <a:r>
-              <a:rPr lang="en-CA" dirty="0" err="1" smtClean="0"/>
+              <a:rPr lang="en-CA" dirty="0" err="1"/>
               <a:t>ie</a:t>
             </a:r>
             <a:r>
-              <a:rPr lang="en-CA" dirty="0" smtClean="0"/>
+              <a:rPr lang="en-CA" dirty="0"/>
               <a:t>:</a:t>
             </a:r>
-            <a:endParaRPr lang="en-CA" dirty="0"/>
           </a:p>
         </p:txBody>
       </p:sp>
@@ -10912,13 +10797,6 @@
   <p:clrMapOvr>
     <a:masterClrMapping/>
   </p:clrMapOvr>
-  <p:timing>
-    <p:tnLst>
-      <p:par>
-        <p:cTn id="1" dur="indefinite" restart="never" nodeType="tmRoot"/>
-      </p:par>
-    </p:tnLst>
-  </p:timing>
 </p:sld>
 </file>
 
@@ -10960,10 +10838,9 @@
           <a:lstStyle/>
           <a:p>
             <a:r>
-              <a:rPr lang="en-CA" dirty="0" smtClean="0"/>
+              <a:rPr lang="en-CA" dirty="0"/>
               <a:t>Preserving correlation among parameters</a:t>
             </a:r>
-            <a:endParaRPr lang="en-CA" dirty="0"/>
           </a:p>
         </p:txBody>
       </p:sp>
@@ -10994,15 +10871,15 @@
               <a:buNone/>
             </a:pPr>
             <a:r>
-              <a:rPr lang="en-CA" dirty="0" smtClean="0"/>
+              <a:rPr lang="en-CA" dirty="0"/>
               <a:t>The default system of generating variability in parameters is to sampled them from uniform random variables with upper and lower bounds according to the slots in the corresponding object. </a:t>
             </a:r>
             <a:r>
-              <a:rPr lang="en-CA" dirty="0" err="1" smtClean="0"/>
+              <a:rPr lang="en-CA" dirty="0" err="1"/>
               <a:t>E.g</a:t>
             </a:r>
             <a:r>
-              <a:rPr lang="en-CA" dirty="0" smtClean="0"/>
+              <a:rPr lang="en-CA" dirty="0"/>
               <a:t>:</a:t>
             </a:r>
           </a:p>
@@ -11135,13 +11012,6 @@
   <p:clrMapOvr>
     <a:masterClrMapping/>
   </p:clrMapOvr>
-  <p:timing>
-    <p:tnLst>
-      <p:par>
-        <p:cTn id="1" dur="indefinite" restart="never" nodeType="tmRoot"/>
-      </p:par>
-    </p:tnLst>
-  </p:timing>
 </p:sld>
 </file>
 
@@ -11183,18 +11053,17 @@
           <a:lstStyle/>
           <a:p>
             <a:r>
-              <a:rPr lang="en-CA" dirty="0" smtClean="0"/>
+              <a:rPr lang="en-CA" dirty="0"/>
               <a:t>Introducing the @</a:t>
             </a:r>
             <a:r>
-              <a:rPr lang="en-CA" dirty="0" err="1" smtClean="0"/>
+              <a:rPr lang="en-CA" dirty="0" err="1"/>
               <a:t>cpars</a:t>
             </a:r>
             <a:r>
-              <a:rPr lang="en-CA" dirty="0" smtClean="0"/>
+              <a:rPr lang="en-CA" dirty="0"/>
               <a:t> slot:</a:t>
             </a:r>
-            <a:endParaRPr lang="en-CA" dirty="0"/>
           </a:p>
         </p:txBody>
       </p:sp>
@@ -11225,15 +11094,15 @@
               <a:buNone/>
             </a:pPr>
             <a:r>
-              <a:rPr lang="en-CA" dirty="0" smtClean="0"/>
+              <a:rPr lang="en-CA" dirty="0"/>
               <a:t>All of the parameters, time series of fishing effort, stock depletion etc. can be specified by the user by using the @</a:t>
             </a:r>
             <a:r>
-              <a:rPr lang="en-CA" dirty="0" err="1" smtClean="0"/>
+              <a:rPr lang="en-CA" dirty="0" err="1"/>
               <a:t>cpars</a:t>
             </a:r>
             <a:r>
-              <a:rPr lang="en-CA" dirty="0" smtClean="0"/>
+              <a:rPr lang="en-CA" dirty="0"/>
               <a:t> slot. </a:t>
             </a:r>
           </a:p>
@@ -11245,7 +11114,7 @@
               <a:buNone/>
             </a:pPr>
             <a:r>
-              <a:rPr lang="en-CA" dirty="0" smtClean="0"/>
+              <a:rPr lang="en-CA" dirty="0"/>
               <a:t>This contains a set of random draws according to your own distributions including correlation if necessary.</a:t>
             </a:r>
           </a:p>
@@ -11257,11 +11126,11 @@
               <a:buNone/>
             </a:pPr>
             <a:r>
-              <a:rPr lang="en-CA" dirty="0" smtClean="0"/>
+              <a:rPr lang="en-CA" dirty="0"/>
               <a:t>When </a:t>
             </a:r>
             <a:r>
-              <a:rPr lang="en-CA" b="1" dirty="0" smtClean="0">
+              <a:rPr lang="en-CA" b="1" dirty="0">
                 <a:solidFill>
                   <a:srgbClr val="00B050"/>
                 </a:solidFill>
@@ -11269,18 +11138,17 @@
               <a:t>runMSE() </a:t>
             </a:r>
             <a:r>
-              <a:rPr lang="en-CA" dirty="0" smtClean="0"/>
+              <a:rPr lang="en-CA" dirty="0"/>
               <a:t>is run, it ignores the uniform ranges and uses the samples in @</a:t>
             </a:r>
             <a:r>
-              <a:rPr lang="en-CA" dirty="0" err="1" smtClean="0"/>
+              <a:rPr lang="en-CA" dirty="0" err="1"/>
               <a:t>cpars</a:t>
             </a:r>
             <a:r>
-              <a:rPr lang="en-CA" dirty="0" smtClean="0"/>
+              <a:rPr lang="en-CA" dirty="0"/>
               <a:t> instead. </a:t>
             </a:r>
-            <a:endParaRPr lang="en-CA" dirty="0"/>
           </a:p>
           <a:p>
             <a:pPr marL="0" indent="0">
@@ -11290,11 +11158,11 @@
               <a:buNone/>
             </a:pPr>
             <a:r>
-              <a:rPr lang="en-CA" dirty="0" smtClean="0"/>
+              <a:rPr lang="en-CA" dirty="0"/>
               <a:t>An example is the </a:t>
             </a:r>
             <a:r>
-              <a:rPr lang="en-CA" b="1" dirty="0" err="1" smtClean="0">
+              <a:rPr lang="en-CA" b="1" dirty="0" err="1">
                 <a:solidFill>
                   <a:srgbClr val="00B050"/>
                 </a:solidFill>
@@ -11302,7 +11170,7 @@
               <a:t>ForceCor</a:t>
             </a:r>
             <a:r>
-              <a:rPr lang="en-CA" b="1" dirty="0" smtClean="0">
+              <a:rPr lang="en-CA" b="1" dirty="0">
                 <a:solidFill>
                   <a:srgbClr val="00B050"/>
                 </a:solidFill>
@@ -11310,18 +11178,17 @@
               <a:t>() </a:t>
             </a:r>
             <a:r>
-              <a:rPr lang="en-CA" dirty="0" smtClean="0"/>
+              <a:rPr lang="en-CA" dirty="0"/>
               <a:t>function of DLMtool that forces correlation among certain life-history parameters   M, K, </a:t>
             </a:r>
             <a:r>
-              <a:rPr lang="en-CA" dirty="0" err="1" smtClean="0"/>
+              <a:rPr lang="en-CA" dirty="0" err="1"/>
               <a:t>Linf</a:t>
             </a:r>
             <a:r>
-              <a:rPr lang="en-CA" dirty="0" smtClean="0"/>
+              <a:rPr lang="en-CA" dirty="0"/>
               <a:t>, Length at 50% maturity.</a:t>
             </a:r>
-            <a:endParaRPr lang="en-CA" dirty="0"/>
           </a:p>
         </p:txBody>
       </p:sp>
@@ -11911,10 +11778,9 @@
           <a:lstStyle/>
           <a:p>
             <a:r>
-              <a:rPr lang="en-CA" dirty="0" smtClean="0"/>
+              <a:rPr lang="en-CA" dirty="0"/>
               <a:t>Conditioning OMs using Stochastic SRA</a:t>
             </a:r>
-            <a:endParaRPr lang="en-CA" dirty="0"/>
           </a:p>
         </p:txBody>
       </p:sp>
@@ -11945,7 +11811,7 @@
               <a:buNone/>
             </a:pPr>
             <a:r>
-              <a:rPr lang="en-CA" dirty="0" smtClean="0"/>
+              <a:rPr lang="en-CA" dirty="0"/>
               <a:t>Walters et al. 2006 designed an MCMC algorithm for reconstructing stock trends using annual catches and catch composition data. This is recreated here in a function </a:t>
             </a:r>
           </a:p>
@@ -11957,7 +11823,7 @@
               <a:buNone/>
             </a:pPr>
             <a:r>
-              <a:rPr lang="en-CA" dirty="0" err="1" smtClean="0">
+              <a:rPr lang="en-CA" dirty="0" err="1">
                 <a:solidFill>
                   <a:srgbClr val="00B050"/>
                 </a:solidFill>
@@ -11965,7 +11831,7 @@
               <a:t>StochasticSRA</a:t>
             </a:r>
             <a:r>
-              <a:rPr lang="en-CA" dirty="0" smtClean="0">
+              <a:rPr lang="en-CA" dirty="0">
                 <a:solidFill>
                   <a:srgbClr val="00B050"/>
                 </a:solidFill>
@@ -11973,7 +11839,7 @@
               <a:t>(</a:t>
             </a:r>
             <a:r>
-              <a:rPr lang="en-CA" dirty="0" err="1" smtClean="0">
+              <a:rPr lang="en-CA" dirty="0" err="1">
                 <a:solidFill>
                   <a:srgbClr val="00B050"/>
                 </a:solidFill>
@@ -11981,7 +11847,7 @@
               <a:t>testOM</a:t>
             </a:r>
             <a:r>
-              <a:rPr lang="en-CA" dirty="0" smtClean="0">
+              <a:rPr lang="en-CA" dirty="0">
                 <a:solidFill>
                   <a:srgbClr val="00B050"/>
                 </a:solidFill>
@@ -11989,7 +11855,7 @@
               <a:t>, CAA, </a:t>
             </a:r>
             <a:r>
-              <a:rPr lang="en-CA" dirty="0" err="1" smtClean="0">
+              <a:rPr lang="en-CA" dirty="0" err="1">
                 <a:solidFill>
                   <a:srgbClr val="00B050"/>
                 </a:solidFill>
@@ -11997,7 +11863,7 @@
               <a:t>Chist</a:t>
             </a:r>
             <a:r>
-              <a:rPr lang="en-CA" dirty="0" smtClean="0">
+              <a:rPr lang="en-CA" dirty="0">
                 <a:solidFill>
                   <a:srgbClr val="00B050"/>
                 </a:solidFill>
@@ -12013,15 +11879,15 @@
               <a:buNone/>
             </a:pPr>
             <a:r>
-              <a:rPr lang="en-CA" dirty="0" smtClean="0"/>
+              <a:rPr lang="en-CA" dirty="0"/>
               <a:t>This function is applied to an operating model, a matrix of catch at age data CAA (years x ages), and a vector of annual historical catch data </a:t>
             </a:r>
             <a:r>
-              <a:rPr lang="en-CA" dirty="0" err="1" smtClean="0"/>
+              <a:rPr lang="en-CA" dirty="0" err="1"/>
               <a:t>Chist</a:t>
             </a:r>
             <a:r>
-              <a:rPr lang="en-CA" dirty="0" smtClean="0"/>
+              <a:rPr lang="en-CA" dirty="0"/>
               <a:t>.</a:t>
             </a:r>
           </a:p>
@@ -12033,7 +11899,7 @@
               <a:buNone/>
             </a:pPr>
             <a:r>
-              <a:rPr lang="en-CA" dirty="0" smtClean="0"/>
+              <a:rPr lang="en-CA" dirty="0"/>
               <a:t>The function is designed to map out a wide range of possible historical stock trends and exploitation scenarios and can be applied to very patchy (even just the last year) of age composition data.</a:t>
             </a:r>
           </a:p>
@@ -12048,7 +11914,7 @@
               <a:buNone/>
             </a:pPr>
             <a:r>
-              <a:rPr lang="en-CA" dirty="0" smtClean="0"/>
+              <a:rPr lang="en-CA" dirty="0"/>
               <a:t> </a:t>
             </a:r>
           </a:p>
@@ -12070,13 +11936,6 @@
   <p:clrMapOvr>
     <a:masterClrMapping/>
   </p:clrMapOvr>
-  <p:timing>
-    <p:tnLst>
-      <p:par>
-        <p:cTn id="1" dur="indefinite" restart="never" nodeType="tmRoot"/>
-      </p:par>
-    </p:tnLst>
-  </p:timing>
 </p:sld>
 </file>
 

--- a/Disused code/Misc/DLM_DFO/Lectures/4 Making recommendations/L4a Advanced operating model specification.pptx
+++ b/Disused code/Misc/DLM_DFO/Lectures/4 Making recommendations/L4a Advanced operating model specification.pptx
@@ -269,7 +269,7 @@
               <a:pPr>
                 <a:defRPr/>
               </a:pPr>
-              <a:t>2017-10-23</a:t>
+              <a:t>2017-10-31</a:t>
             </a:fld>
             <a:endParaRPr lang="en-CA"/>
           </a:p>
@@ -784,7 +784,7 @@
               <a:pPr>
                 <a:defRPr/>
               </a:pPr>
-              <a:t>10/23/2017</a:t>
+              <a:t>10/31/2017</a:t>
             </a:fld>
             <a:endParaRPr lang="en-US" dirty="0"/>
           </a:p>
@@ -1154,7 +1154,7 @@
               <a:pPr>
                 <a:defRPr/>
               </a:pPr>
-              <a:t>10/23/2017</a:t>
+              <a:t>10/31/2017</a:t>
             </a:fld>
             <a:endParaRPr lang="en-US" dirty="0"/>
           </a:p>
@@ -1432,7 +1432,7 @@
               <a:pPr>
                 <a:defRPr/>
               </a:pPr>
-              <a:t>10/23/2017</a:t>
+              <a:t>10/31/2017</a:t>
             </a:fld>
             <a:endParaRPr lang="en-US" dirty="0"/>
           </a:p>
@@ -2021,7 +2021,7 @@
               <a:pPr>
                 <a:defRPr/>
               </a:pPr>
-              <a:t>10/23/2017</a:t>
+              <a:t>10/31/2017</a:t>
             </a:fld>
             <a:endParaRPr lang="en-US" dirty="0"/>
           </a:p>
@@ -2301,7 +2301,7 @@
               <a:pPr>
                 <a:defRPr/>
               </a:pPr>
-              <a:t>10/23/2017</a:t>
+              <a:t>10/31/2017</a:t>
             </a:fld>
             <a:endParaRPr lang="en-US" dirty="0"/>
           </a:p>
@@ -2929,7 +2929,7 @@
               <a:pPr>
                 <a:defRPr/>
               </a:pPr>
-              <a:t>10/23/2017</a:t>
+              <a:t>10/31/2017</a:t>
             </a:fld>
             <a:endParaRPr lang="en-US" dirty="0"/>
           </a:p>
@@ -3849,7 +3849,7 @@
               <a:pPr>
                 <a:defRPr/>
               </a:pPr>
-              <a:t>10/23/2017</a:t>
+              <a:t>10/31/2017</a:t>
             </a:fld>
             <a:endParaRPr lang="en-US" dirty="0"/>
           </a:p>
@@ -4105,7 +4105,7 @@
               <a:pPr>
                 <a:defRPr/>
               </a:pPr>
-              <a:t>10/23/2017</a:t>
+              <a:t>10/31/2017</a:t>
             </a:fld>
             <a:endParaRPr lang="en-US" dirty="0"/>
           </a:p>
@@ -4371,7 +4371,7 @@
               <a:pPr>
                 <a:defRPr/>
               </a:pPr>
-              <a:t>10/23/2017</a:t>
+              <a:t>10/31/2017</a:t>
             </a:fld>
             <a:endParaRPr lang="en-US" dirty="0"/>
           </a:p>
@@ -4632,7 +4632,7 @@
               <a:pPr>
                 <a:defRPr/>
               </a:pPr>
-              <a:t>10/23/2017</a:t>
+              <a:t>10/31/2017</a:t>
             </a:fld>
             <a:endParaRPr lang="en-US" dirty="0"/>
           </a:p>
@@ -4911,7 +4911,7 @@
               <a:pPr>
                 <a:defRPr/>
               </a:pPr>
-              <a:t>10/23/2017</a:t>
+              <a:t>10/31/2017</a:t>
             </a:fld>
             <a:endParaRPr lang="en-US" dirty="0"/>
           </a:p>
@@ -5165,7 +5165,7 @@
               <a:pPr>
                 <a:defRPr/>
               </a:pPr>
-              <a:t>10/23/2017</a:t>
+              <a:t>10/31/2017</a:t>
             </a:fld>
             <a:endParaRPr lang="en-US" dirty="0"/>
           </a:p>
@@ -5580,7 +5580,7 @@
               <a:pPr>
                 <a:defRPr/>
               </a:pPr>
-              <a:t>10/23/2017</a:t>
+              <a:t>10/31/2017</a:t>
             </a:fld>
             <a:endParaRPr lang="en-US" dirty="0"/>
           </a:p>
@@ -5720,7 +5720,7 @@
               <a:pPr>
                 <a:defRPr/>
               </a:pPr>
-              <a:t>10/23/2017</a:t>
+              <a:t>10/31/2017</a:t>
             </a:fld>
             <a:endParaRPr lang="en-US" dirty="0"/>
           </a:p>
@@ -5837,7 +5837,7 @@
               <a:pPr>
                 <a:defRPr/>
               </a:pPr>
-              <a:t>10/23/2017</a:t>
+              <a:t>10/31/2017</a:t>
             </a:fld>
             <a:endParaRPr lang="en-US" dirty="0"/>
           </a:p>
@@ -6134,7 +6134,7 @@
               <a:pPr>
                 <a:defRPr/>
               </a:pPr>
-              <a:t>10/23/2017</a:t>
+              <a:t>10/31/2017</a:t>
             </a:fld>
             <a:endParaRPr lang="en-US" dirty="0"/>
           </a:p>
@@ -6442,7 +6442,7 @@
               <a:pPr>
                 <a:defRPr/>
               </a:pPr>
-              <a:t>10/23/2017</a:t>
+              <a:t>10/31/2017</a:t>
             </a:fld>
             <a:endParaRPr lang="en-US" dirty="0"/>
           </a:p>
@@ -6751,7 +6751,7 @@
               <a:pPr>
                 <a:defRPr/>
               </a:pPr>
-              <a:t>10/23/2017</a:t>
+              <a:t>10/31/2017</a:t>
             </a:fld>
             <a:endParaRPr lang="en-US" dirty="0"/>
           </a:p>
@@ -7370,12 +7370,20 @@
               <a:defRPr/>
             </a:pPr>
             <a:r>
+              <a:rPr lang="en-US" sz="3600">
+                <a:solidFill>
+                  <a:srgbClr val="27AFE5"/>
+                </a:solidFill>
+              </a:rPr>
+              <a:t>Data-Limited Methods </a:t>
+            </a:r>
+            <a:r>
               <a:rPr lang="en-US" sz="3600" dirty="0">
                 <a:solidFill>
                   <a:srgbClr val="27AFE5"/>
                 </a:solidFill>
               </a:rPr>
-              <a:t>Data-Limited Fisheries Toolkit </a:t>
+              <a:t>Toolkit </a:t>
             </a:r>
           </a:p>
         </p:txBody>
